--- a/DOTNET/DataAccess/EntityFramework/Entity Framework practices.pptx
+++ b/DOTNET/DataAccess/EntityFramework/Entity Framework practices.pptx
@@ -120,99 +120,6 @@
 
 <file path=ppt/changesInfos/changesInfo1.xml><?xml version="1.0" encoding="utf-8"?>
 <pc:chgInfo xmlns:a="http://schemas.openxmlformats.org/drawingml/2006/main" xmlns:r="http://schemas.openxmlformats.org/officeDocument/2006/relationships" xmlns:ac="http://schemas.microsoft.com/office/drawing/2013/main/command" xmlns:pc="http://schemas.microsoft.com/office/powerpoint/2013/main/command">
-  <pc:docChgLst>
-    <pc:chgData name="Ido Paz" userId="9b277b7e75216450" providerId="LiveId" clId="{5770EE63-1112-44BB-8AFA-9D1F3CD3A88D}"/>
-    <pc:docChg chg="undo custSel modSld">
-      <pc:chgData name="Ido Paz" userId="9b277b7e75216450" providerId="LiveId" clId="{5770EE63-1112-44BB-8AFA-9D1F3CD3A88D}" dt="2023-02-06T12:22:50.418" v="41"/>
-      <pc:docMkLst>
-        <pc:docMk/>
-      </pc:docMkLst>
-      <pc:sldChg chg="modSp mod">
-        <pc:chgData name="Ido Paz" userId="9b277b7e75216450" providerId="LiveId" clId="{5770EE63-1112-44BB-8AFA-9D1F3CD3A88D}" dt="2023-02-06T12:19:21.924" v="34" actId="20577"/>
-        <pc:sldMkLst>
-          <pc:docMk/>
-          <pc:sldMk cId="4094745915" sldId="264"/>
-        </pc:sldMkLst>
-        <pc:spChg chg="mod">
-          <ac:chgData name="Ido Paz" userId="9b277b7e75216450" providerId="LiveId" clId="{5770EE63-1112-44BB-8AFA-9D1F3CD3A88D}" dt="2023-02-06T12:19:21.924" v="34" actId="20577"/>
-          <ac:spMkLst>
-            <pc:docMk/>
-            <pc:sldMk cId="4094745915" sldId="264"/>
-            <ac:spMk id="3" creationId="{06BFC513-4125-4CA0-9D31-E58E324581EB}"/>
-          </ac:spMkLst>
-        </pc:spChg>
-      </pc:sldChg>
-      <pc:sldChg chg="modSp mod">
-        <pc:chgData name="Ido Paz" userId="9b277b7e75216450" providerId="LiveId" clId="{5770EE63-1112-44BB-8AFA-9D1F3CD3A88D}" dt="2023-02-06T12:18:54.244" v="28" actId="6549"/>
-        <pc:sldMkLst>
-          <pc:docMk/>
-          <pc:sldMk cId="3331621800" sldId="265"/>
-        </pc:sldMkLst>
-        <pc:spChg chg="mod">
-          <ac:chgData name="Ido Paz" userId="9b277b7e75216450" providerId="LiveId" clId="{5770EE63-1112-44BB-8AFA-9D1F3CD3A88D}" dt="2023-02-06T12:18:54.244" v="28" actId="6549"/>
-          <ac:spMkLst>
-            <pc:docMk/>
-            <pc:sldMk cId="3331621800" sldId="265"/>
-            <ac:spMk id="3" creationId="{63814B9D-8EC5-4DF3-8940-1992ED88B1E6}"/>
-          </ac:spMkLst>
-        </pc:spChg>
-      </pc:sldChg>
-      <pc:sldChg chg="modSp mod">
-        <pc:chgData name="Ido Paz" userId="9b277b7e75216450" providerId="LiveId" clId="{5770EE63-1112-44BB-8AFA-9D1F3CD3A88D}" dt="2023-02-06T12:19:34.854" v="38" actId="27636"/>
-        <pc:sldMkLst>
-          <pc:docMk/>
-          <pc:sldMk cId="510814055" sldId="266"/>
-        </pc:sldMkLst>
-        <pc:spChg chg="mod">
-          <ac:chgData name="Ido Paz" userId="9b277b7e75216450" providerId="LiveId" clId="{5770EE63-1112-44BB-8AFA-9D1F3CD3A88D}" dt="2023-02-06T12:19:34.854" v="38" actId="27636"/>
-          <ac:spMkLst>
-            <pc:docMk/>
-            <pc:sldMk cId="510814055" sldId="266"/>
-            <ac:spMk id="3" creationId="{63814B9D-8EC5-4DF3-8940-1992ED88B1E6}"/>
-          </ac:spMkLst>
-        </pc:spChg>
-      </pc:sldChg>
-      <pc:sldChg chg="modSp">
-        <pc:chgData name="Ido Paz" userId="9b277b7e75216450" providerId="LiveId" clId="{5770EE63-1112-44BB-8AFA-9D1F3CD3A88D}" dt="2023-02-06T12:22:50.418" v="41"/>
-        <pc:sldMkLst>
-          <pc:docMk/>
-          <pc:sldMk cId="3341327186" sldId="267"/>
-        </pc:sldMkLst>
-        <pc:spChg chg="mod">
-          <ac:chgData name="Ido Paz" userId="9b277b7e75216450" providerId="LiveId" clId="{5770EE63-1112-44BB-8AFA-9D1F3CD3A88D}" dt="2023-02-06T12:22:50.418" v="41"/>
-          <ac:spMkLst>
-            <pc:docMk/>
-            <pc:sldMk cId="3341327186" sldId="267"/>
-            <ac:spMk id="3" creationId="{27A3FDF3-6A9E-44BF-84AF-4E85BEBA2F79}"/>
-          </ac:spMkLst>
-        </pc:spChg>
-      </pc:sldChg>
-    </pc:docChg>
-  </pc:docChgLst>
-  <pc:docChgLst>
-    <pc:chgData name="Ido Paz" userId="9b277b7e75216450" providerId="LiveId" clId="{9E237A4C-6AAB-4AE9-92C6-9AAB9D097C18}"/>
-    <pc:docChg chg="modSld">
-      <pc:chgData name="Ido Paz" userId="9b277b7e75216450" providerId="LiveId" clId="{9E237A4C-6AAB-4AE9-92C6-9AAB9D097C18}" dt="2023-02-08T15:21:56.315" v="50" actId="6549"/>
-      <pc:docMkLst>
-        <pc:docMk/>
-      </pc:docMkLst>
-      <pc:sldChg chg="modSp mod">
-        <pc:chgData name="Ido Paz" userId="9b277b7e75216450" providerId="LiveId" clId="{9E237A4C-6AAB-4AE9-92C6-9AAB9D097C18}" dt="2023-02-08T15:21:56.315" v="50" actId="6549"/>
-        <pc:sldMkLst>
-          <pc:docMk/>
-          <pc:sldMk cId="3341327186" sldId="267"/>
-        </pc:sldMkLst>
-        <pc:spChg chg="mod">
-          <ac:chgData name="Ido Paz" userId="9b277b7e75216450" providerId="LiveId" clId="{9E237A4C-6AAB-4AE9-92C6-9AAB9D097C18}" dt="2023-02-08T15:21:56.315" v="50" actId="6549"/>
-          <ac:spMkLst>
-            <pc:docMk/>
-            <pc:sldMk cId="3341327186" sldId="267"/>
-            <ac:spMk id="3" creationId="{27A3FDF3-6A9E-44BF-84AF-4E85BEBA2F79}"/>
-          </ac:spMkLst>
-        </pc:spChg>
-      </pc:sldChg>
-    </pc:docChg>
-  </pc:docChgLst>
   <pc:docChgLst>
     <pc:chgData name="Ido Paz" userId="9b277b7e75216450" providerId="LiveId" clId="{7E490AC8-2EF2-44EB-BE42-441E175E32F9}"/>
     <pc:docChg chg="undo redo custSel addSld modSld">
@@ -361,6 +268,30 @@
     </pc:docChg>
   </pc:docChgLst>
   <pc:docChgLst>
+    <pc:chgData name="Ido Paz" userId="9b277b7e75216450" providerId="LiveId" clId="{9E237A4C-6AAB-4AE9-92C6-9AAB9D097C18}"/>
+    <pc:docChg chg="modSld">
+      <pc:chgData name="Ido Paz" userId="9b277b7e75216450" providerId="LiveId" clId="{9E237A4C-6AAB-4AE9-92C6-9AAB9D097C18}" dt="2023-02-08T15:21:56.315" v="50" actId="6549"/>
+      <pc:docMkLst>
+        <pc:docMk/>
+      </pc:docMkLst>
+      <pc:sldChg chg="modSp mod">
+        <pc:chgData name="Ido Paz" userId="9b277b7e75216450" providerId="LiveId" clId="{9E237A4C-6AAB-4AE9-92C6-9AAB9D097C18}" dt="2023-02-08T15:21:56.315" v="50" actId="6549"/>
+        <pc:sldMkLst>
+          <pc:docMk/>
+          <pc:sldMk cId="3341327186" sldId="267"/>
+        </pc:sldMkLst>
+        <pc:spChg chg="mod">
+          <ac:chgData name="Ido Paz" userId="9b277b7e75216450" providerId="LiveId" clId="{9E237A4C-6AAB-4AE9-92C6-9AAB9D097C18}" dt="2023-02-08T15:21:56.315" v="50" actId="6549"/>
+          <ac:spMkLst>
+            <pc:docMk/>
+            <pc:sldMk cId="3341327186" sldId="267"/>
+            <ac:spMk id="3" creationId="{27A3FDF3-6A9E-44BF-84AF-4E85BEBA2F79}"/>
+          </ac:spMkLst>
+        </pc:spChg>
+      </pc:sldChg>
+    </pc:docChg>
+  </pc:docChgLst>
+  <pc:docChgLst>
     <pc:chgData name="Ido Paz" userId="9b277b7e75216450" providerId="LiveId" clId="{DE588848-6B38-4BB4-A94D-B41295A7C287}"/>
     <pc:docChg chg="undo custSel modSld">
       <pc:chgData name="Ido Paz" userId="9b277b7e75216450" providerId="LiveId" clId="{DE588848-6B38-4BB4-A94D-B41295A7C287}" dt="2022-06-01T14:16:15.264" v="81"/>
@@ -435,6 +366,75 @@
         </pc:sldMkLst>
         <pc:spChg chg="mod">
           <ac:chgData name="Ido Paz" userId="9b277b7e75216450" providerId="LiveId" clId="{DE588848-6B38-4BB4-A94D-B41295A7C287}" dt="2022-06-01T14:16:15.264" v="81"/>
+          <ac:spMkLst>
+            <pc:docMk/>
+            <pc:sldMk cId="3341327186" sldId="267"/>
+            <ac:spMk id="3" creationId="{27A3FDF3-6A9E-44BF-84AF-4E85BEBA2F79}"/>
+          </ac:spMkLst>
+        </pc:spChg>
+      </pc:sldChg>
+    </pc:docChg>
+  </pc:docChgLst>
+  <pc:docChgLst>
+    <pc:chgData name="Ido Paz" userId="9b277b7e75216450" providerId="LiveId" clId="{5770EE63-1112-44BB-8AFA-9D1F3CD3A88D}"/>
+    <pc:docChg chg="undo custSel modSld">
+      <pc:chgData name="Ido Paz" userId="9b277b7e75216450" providerId="LiveId" clId="{5770EE63-1112-44BB-8AFA-9D1F3CD3A88D}" dt="2023-02-06T12:22:50.418" v="41"/>
+      <pc:docMkLst>
+        <pc:docMk/>
+      </pc:docMkLst>
+      <pc:sldChg chg="modSp mod">
+        <pc:chgData name="Ido Paz" userId="9b277b7e75216450" providerId="LiveId" clId="{5770EE63-1112-44BB-8AFA-9D1F3CD3A88D}" dt="2023-02-06T12:19:21.924" v="34" actId="20577"/>
+        <pc:sldMkLst>
+          <pc:docMk/>
+          <pc:sldMk cId="4094745915" sldId="264"/>
+        </pc:sldMkLst>
+        <pc:spChg chg="mod">
+          <ac:chgData name="Ido Paz" userId="9b277b7e75216450" providerId="LiveId" clId="{5770EE63-1112-44BB-8AFA-9D1F3CD3A88D}" dt="2023-02-06T12:19:21.924" v="34" actId="20577"/>
+          <ac:spMkLst>
+            <pc:docMk/>
+            <pc:sldMk cId="4094745915" sldId="264"/>
+            <ac:spMk id="3" creationId="{06BFC513-4125-4CA0-9D31-E58E324581EB}"/>
+          </ac:spMkLst>
+        </pc:spChg>
+      </pc:sldChg>
+      <pc:sldChg chg="modSp mod">
+        <pc:chgData name="Ido Paz" userId="9b277b7e75216450" providerId="LiveId" clId="{5770EE63-1112-44BB-8AFA-9D1F3CD3A88D}" dt="2023-02-06T12:18:54.244" v="28" actId="6549"/>
+        <pc:sldMkLst>
+          <pc:docMk/>
+          <pc:sldMk cId="3331621800" sldId="265"/>
+        </pc:sldMkLst>
+        <pc:spChg chg="mod">
+          <ac:chgData name="Ido Paz" userId="9b277b7e75216450" providerId="LiveId" clId="{5770EE63-1112-44BB-8AFA-9D1F3CD3A88D}" dt="2023-02-06T12:18:54.244" v="28" actId="6549"/>
+          <ac:spMkLst>
+            <pc:docMk/>
+            <pc:sldMk cId="3331621800" sldId="265"/>
+            <ac:spMk id="3" creationId="{63814B9D-8EC5-4DF3-8940-1992ED88B1E6}"/>
+          </ac:spMkLst>
+        </pc:spChg>
+      </pc:sldChg>
+      <pc:sldChg chg="modSp mod">
+        <pc:chgData name="Ido Paz" userId="9b277b7e75216450" providerId="LiveId" clId="{5770EE63-1112-44BB-8AFA-9D1F3CD3A88D}" dt="2023-02-06T12:19:34.854" v="38" actId="27636"/>
+        <pc:sldMkLst>
+          <pc:docMk/>
+          <pc:sldMk cId="510814055" sldId="266"/>
+        </pc:sldMkLst>
+        <pc:spChg chg="mod">
+          <ac:chgData name="Ido Paz" userId="9b277b7e75216450" providerId="LiveId" clId="{5770EE63-1112-44BB-8AFA-9D1F3CD3A88D}" dt="2023-02-06T12:19:34.854" v="38" actId="27636"/>
+          <ac:spMkLst>
+            <pc:docMk/>
+            <pc:sldMk cId="510814055" sldId="266"/>
+            <ac:spMk id="3" creationId="{63814B9D-8EC5-4DF3-8940-1992ED88B1E6}"/>
+          </ac:spMkLst>
+        </pc:spChg>
+      </pc:sldChg>
+      <pc:sldChg chg="modSp">
+        <pc:chgData name="Ido Paz" userId="9b277b7e75216450" providerId="LiveId" clId="{5770EE63-1112-44BB-8AFA-9D1F3CD3A88D}" dt="2023-02-06T12:22:50.418" v="41"/>
+        <pc:sldMkLst>
+          <pc:docMk/>
+          <pc:sldMk cId="3341327186" sldId="267"/>
+        </pc:sldMkLst>
+        <pc:spChg chg="mod">
+          <ac:chgData name="Ido Paz" userId="9b277b7e75216450" providerId="LiveId" clId="{5770EE63-1112-44BB-8AFA-9D1F3CD3A88D}" dt="2023-02-06T12:22:50.418" v="41"/>
           <ac:spMkLst>
             <pc:docMk/>
             <pc:sldMk cId="3341327186" sldId="267"/>
@@ -5119,11 +5119,11 @@
             </a:pPr>
             <a:r>
               <a:rPr lang="en-US" dirty="0"/>
-              <a:t>4. select all orders summery </a:t>
-            </a:r>
-            <a:r>
-              <a:rPr lang="en-US"/>
-              <a:t>values (OrderID</a:t>
+              <a:t>4. select all orders summery values (</a:t>
+            </a:r>
+            <a:r>
+              <a:rPr lang="en-US" dirty="0" err="1"/>
+              <a:t>OrderID</a:t>
             </a:r>
             <a:r>
               <a:rPr lang="en-US" dirty="0"/>
